--- a/lectures/05Recursion/TheCallStack.pptx
+++ b/lectures/05Recursion/TheCallStack.pptx
@@ -197,7 +197,7 @@
           <a:p>
             <a:fld id="{DF84B872-EF0F-4A43-8C9A-6DE1EE8DA60C}" type="datetimeFigureOut">
               <a:rPr lang="en-US" smtClean="0"/>
-              <a:t>9/27/22</a:t>
+              <a:t>9/28/22</a:t>
             </a:fld>
             <a:endParaRPr lang="en-US"/>
           </a:p>
@@ -684,7 +684,7 @@
           <a:p>
             <a:fld id="{CC87D76F-8BD5-6C40-BE21-BE1B3B655646}" type="datetimeFigureOut">
               <a:rPr lang="en-US" smtClean="0"/>
-              <a:t>9/27/22</a:t>
+              <a:t>9/28/22</a:t>
             </a:fld>
             <a:endParaRPr lang="en-US"/>
           </a:p>
@@ -854,7 +854,7 @@
           <a:p>
             <a:fld id="{CC87D76F-8BD5-6C40-BE21-BE1B3B655646}" type="datetimeFigureOut">
               <a:rPr lang="en-US" smtClean="0"/>
-              <a:t>9/27/22</a:t>
+              <a:t>9/28/22</a:t>
             </a:fld>
             <a:endParaRPr lang="en-US"/>
           </a:p>
@@ -1034,7 +1034,7 @@
           <a:p>
             <a:fld id="{CC87D76F-8BD5-6C40-BE21-BE1B3B655646}" type="datetimeFigureOut">
               <a:rPr lang="en-US" smtClean="0"/>
-              <a:t>9/27/22</a:t>
+              <a:t>9/28/22</a:t>
             </a:fld>
             <a:endParaRPr lang="en-US"/>
           </a:p>
@@ -1204,7 +1204,7 @@
           <a:p>
             <a:fld id="{CC87D76F-8BD5-6C40-BE21-BE1B3B655646}" type="datetimeFigureOut">
               <a:rPr lang="en-US" smtClean="0"/>
-              <a:t>9/27/22</a:t>
+              <a:t>9/28/22</a:t>
             </a:fld>
             <a:endParaRPr lang="en-US"/>
           </a:p>
@@ -1450,7 +1450,7 @@
           <a:p>
             <a:fld id="{CC87D76F-8BD5-6C40-BE21-BE1B3B655646}" type="datetimeFigureOut">
               <a:rPr lang="en-US" smtClean="0"/>
-              <a:t>9/27/22</a:t>
+              <a:t>9/28/22</a:t>
             </a:fld>
             <a:endParaRPr lang="en-US"/>
           </a:p>
@@ -1682,7 +1682,7 @@
           <a:p>
             <a:fld id="{CC87D76F-8BD5-6C40-BE21-BE1B3B655646}" type="datetimeFigureOut">
               <a:rPr lang="en-US" smtClean="0"/>
-              <a:t>9/27/22</a:t>
+              <a:t>9/28/22</a:t>
             </a:fld>
             <a:endParaRPr lang="en-US"/>
           </a:p>
@@ -2049,7 +2049,7 @@
           <a:p>
             <a:fld id="{CC87D76F-8BD5-6C40-BE21-BE1B3B655646}" type="datetimeFigureOut">
               <a:rPr lang="en-US" smtClean="0"/>
-              <a:t>9/27/22</a:t>
+              <a:t>9/28/22</a:t>
             </a:fld>
             <a:endParaRPr lang="en-US"/>
           </a:p>
@@ -2167,7 +2167,7 @@
           <a:p>
             <a:fld id="{CC87D76F-8BD5-6C40-BE21-BE1B3B655646}" type="datetimeFigureOut">
               <a:rPr lang="en-US" smtClean="0"/>
-              <a:t>9/27/22</a:t>
+              <a:t>9/28/22</a:t>
             </a:fld>
             <a:endParaRPr lang="en-US"/>
           </a:p>
@@ -2262,7 +2262,7 @@
           <a:p>
             <a:fld id="{CC87D76F-8BD5-6C40-BE21-BE1B3B655646}" type="datetimeFigureOut">
               <a:rPr lang="en-US" smtClean="0"/>
-              <a:t>9/27/22</a:t>
+              <a:t>9/28/22</a:t>
             </a:fld>
             <a:endParaRPr lang="en-US"/>
           </a:p>
@@ -2539,7 +2539,7 @@
           <a:p>
             <a:fld id="{CC87D76F-8BD5-6C40-BE21-BE1B3B655646}" type="datetimeFigureOut">
               <a:rPr lang="en-US" smtClean="0"/>
-              <a:t>9/27/22</a:t>
+              <a:t>9/28/22</a:t>
             </a:fld>
             <a:endParaRPr lang="en-US"/>
           </a:p>
@@ -2796,7 +2796,7 @@
           <a:p>
             <a:fld id="{CC87D76F-8BD5-6C40-BE21-BE1B3B655646}" type="datetimeFigureOut">
               <a:rPr lang="en-US" smtClean="0"/>
-              <a:t>9/27/22</a:t>
+              <a:t>9/28/22</a:t>
             </a:fld>
             <a:endParaRPr lang="en-US"/>
           </a:p>
@@ -3009,7 +3009,7 @@
           <a:p>
             <a:fld id="{CC87D76F-8BD5-6C40-BE21-BE1B3B655646}" type="datetimeFigureOut">
               <a:rPr lang="en-US" smtClean="0"/>
-              <a:t>9/27/22</a:t>
+              <a:t>9/28/22</a:t>
             </a:fld>
             <a:endParaRPr lang="en-US"/>
           </a:p>
@@ -3422,7 +3422,7 @@
         </p:nvSpPr>
         <p:spPr>
           <a:xfrm>
-            <a:off x="232691" y="2580243"/>
+            <a:off x="497734" y="2580243"/>
             <a:ext cx="1656165" cy="1067072"/>
           </a:xfrm>
           <a:prstGeom prst="flowChartDocument">
@@ -3463,7 +3463,7 @@
           <a:lstStyle/>
           <a:p>
             <a:pPr algn="ctr"/>
-            <a:endParaRPr lang="en-US" sz="1600"/>
+            <a:endParaRPr lang="en-US" sz="1500" dirty="0"/>
           </a:p>
         </p:txBody>
       </p:sp>
@@ -3475,7 +3475,7 @@
         </p:nvSpPr>
         <p:spPr>
           <a:xfrm>
-            <a:off x="232949" y="1795413"/>
+            <a:off x="497992" y="1789200"/>
             <a:ext cx="1656165" cy="784830"/>
           </a:xfrm>
           <a:prstGeom prst="rect">
@@ -3498,7 +3498,7 @@
           <a:p>
             <a:r>
               <a:rPr lang="en-US" sz="1500" dirty="0"/>
-              <a:t>sum 5 = 5 + sum 4</a:t>
+              <a:t>sum 2 = 2 + sum 1</a:t>
             </a:r>
           </a:p>
           <a:p>
@@ -3515,186 +3515,6 @@
           </a:p>
         </p:txBody>
       </p:sp>
-      <p:grpSp>
-        <p:nvGrpSpPr>
-          <p:cNvPr id="109" name="Group 108"/>
-          <p:cNvGrpSpPr/>
-          <p:nvPr/>
-        </p:nvGrpSpPr>
-        <p:grpSpPr>
-          <a:xfrm>
-            <a:off x="5486091" y="2153267"/>
-            <a:ext cx="270307" cy="72000"/>
-            <a:chOff x="696559" y="6394294"/>
-            <a:chExt cx="270307" cy="72000"/>
-          </a:xfrm>
-        </p:grpSpPr>
-        <p:sp>
-          <p:nvSpPr>
-            <p:cNvPr id="110" name="Oval 109"/>
-            <p:cNvSpPr>
-              <a:spLocks noChangeAspect="1"/>
-            </p:cNvSpPr>
-            <p:nvPr/>
-          </p:nvSpPr>
-          <p:spPr>
-            <a:xfrm>
-              <a:off x="696559" y="6394294"/>
-              <a:ext cx="77666" cy="72000"/>
-            </a:xfrm>
-            <a:prstGeom prst="ellipse">
-              <a:avLst/>
-            </a:prstGeom>
-            <a:solidFill>
-              <a:srgbClr val="F2F2F2"/>
-            </a:solidFill>
-            <a:ln>
-              <a:solidFill>
-                <a:schemeClr val="tx1"/>
-              </a:solidFill>
-            </a:ln>
-          </p:spPr>
-          <p:style>
-            <a:lnRef idx="2">
-              <a:schemeClr val="accent1">
-                <a:shade val="50000"/>
-              </a:schemeClr>
-            </a:lnRef>
-            <a:fillRef idx="1">
-              <a:schemeClr val="accent1"/>
-            </a:fillRef>
-            <a:effectRef idx="0">
-              <a:schemeClr val="accent1"/>
-            </a:effectRef>
-            <a:fontRef idx="minor">
-              <a:schemeClr val="lt1"/>
-            </a:fontRef>
-          </p:style>
-          <p:txBody>
-            <a:bodyPr rot="0" spcFirstLastPara="0" vertOverflow="overflow" horzOverflow="overflow" vert="horz" wrap="square" lIns="91440" tIns="45720" rIns="91440" bIns="45720" numCol="1" spcCol="0" rtlCol="0" fromWordArt="0" anchor="ctr" anchorCtr="0" forceAA="0" compatLnSpc="1">
-              <a:prstTxWarp prst="textNoShape">
-                <a:avLst/>
-              </a:prstTxWarp>
-              <a:noAutofit/>
-            </a:bodyPr>
-            <a:lstStyle/>
-            <a:p>
-              <a:pPr algn="ctr"/>
-              <a:endParaRPr lang="en-US"/>
-            </a:p>
-          </p:txBody>
-        </p:sp>
-        <p:sp>
-          <p:nvSpPr>
-            <p:cNvPr id="111" name="Oval 110"/>
-            <p:cNvSpPr>
-              <a:spLocks noChangeAspect="1"/>
-            </p:cNvSpPr>
-            <p:nvPr/>
-          </p:nvSpPr>
-          <p:spPr>
-            <a:xfrm>
-              <a:off x="792000" y="6394294"/>
-              <a:ext cx="77666" cy="72000"/>
-            </a:xfrm>
-            <a:prstGeom prst="ellipse">
-              <a:avLst/>
-            </a:prstGeom>
-            <a:solidFill>
-              <a:srgbClr val="F2F2F2"/>
-            </a:solidFill>
-            <a:ln>
-              <a:solidFill>
-                <a:schemeClr val="tx1"/>
-              </a:solidFill>
-            </a:ln>
-          </p:spPr>
-          <p:style>
-            <a:lnRef idx="2">
-              <a:schemeClr val="accent1">
-                <a:shade val="50000"/>
-              </a:schemeClr>
-            </a:lnRef>
-            <a:fillRef idx="1">
-              <a:schemeClr val="accent1"/>
-            </a:fillRef>
-            <a:effectRef idx="0">
-              <a:schemeClr val="accent1"/>
-            </a:effectRef>
-            <a:fontRef idx="minor">
-              <a:schemeClr val="lt1"/>
-            </a:fontRef>
-          </p:style>
-          <p:txBody>
-            <a:bodyPr rot="0" spcFirstLastPara="0" vertOverflow="overflow" horzOverflow="overflow" vert="horz" wrap="square" lIns="91440" tIns="45720" rIns="91440" bIns="45720" numCol="1" spcCol="0" rtlCol="0" fromWordArt="0" anchor="ctr" anchorCtr="0" forceAA="0" compatLnSpc="1">
-              <a:prstTxWarp prst="textNoShape">
-                <a:avLst/>
-              </a:prstTxWarp>
-              <a:noAutofit/>
-            </a:bodyPr>
-            <a:lstStyle/>
-            <a:p>
-              <a:pPr algn="ctr"/>
-              <a:endParaRPr lang="en-US"/>
-            </a:p>
-          </p:txBody>
-        </p:sp>
-        <p:sp>
-          <p:nvSpPr>
-            <p:cNvPr id="112" name="Oval 111"/>
-            <p:cNvSpPr>
-              <a:spLocks noChangeAspect="1"/>
-            </p:cNvSpPr>
-            <p:nvPr/>
-          </p:nvSpPr>
-          <p:spPr>
-            <a:xfrm>
-              <a:off x="889200" y="6394294"/>
-              <a:ext cx="77666" cy="72000"/>
-            </a:xfrm>
-            <a:prstGeom prst="ellipse">
-              <a:avLst/>
-            </a:prstGeom>
-            <a:solidFill>
-              <a:srgbClr val="F2F2F2"/>
-            </a:solidFill>
-            <a:ln>
-              <a:solidFill>
-                <a:schemeClr val="tx1"/>
-              </a:solidFill>
-            </a:ln>
-          </p:spPr>
-          <p:style>
-            <a:lnRef idx="2">
-              <a:schemeClr val="accent1">
-                <a:shade val="50000"/>
-              </a:schemeClr>
-            </a:lnRef>
-            <a:fillRef idx="1">
-              <a:schemeClr val="accent1"/>
-            </a:fillRef>
-            <a:effectRef idx="0">
-              <a:schemeClr val="accent1"/>
-            </a:effectRef>
-            <a:fontRef idx="minor">
-              <a:schemeClr val="lt1"/>
-            </a:fontRef>
-          </p:style>
-          <p:txBody>
-            <a:bodyPr rot="0" spcFirstLastPara="0" vertOverflow="overflow" horzOverflow="overflow" vert="horz" wrap="square" lIns="91440" tIns="45720" rIns="91440" bIns="45720" numCol="1" spcCol="0" rtlCol="0" fromWordArt="0" anchor="ctr" anchorCtr="0" forceAA="0" compatLnSpc="1">
-              <a:prstTxWarp prst="textNoShape">
-                <a:avLst/>
-              </a:prstTxWarp>
-              <a:noAutofit/>
-            </a:bodyPr>
-            <a:lstStyle/>
-            <a:p>
-              <a:pPr algn="ctr"/>
-              <a:endParaRPr lang="en-US"/>
-            </a:p>
-          </p:txBody>
-        </p:sp>
-      </p:grpSp>
       <p:sp>
         <p:nvSpPr>
           <p:cNvPr id="10" name="Document 9">
@@ -3709,7 +3529,7 @@
         </p:nvSpPr>
         <p:spPr>
           <a:xfrm>
-            <a:off x="1990483" y="2574889"/>
+            <a:off x="2255526" y="2574889"/>
             <a:ext cx="1656165" cy="1067072"/>
           </a:xfrm>
           <a:prstGeom prst="flowChartDocument">
@@ -3750,7 +3570,7 @@
           <a:lstStyle/>
           <a:p>
             <a:pPr algn="ctr"/>
-            <a:endParaRPr lang="en-US" sz="1600"/>
+            <a:endParaRPr lang="en-US" sz="1500"/>
           </a:p>
         </p:txBody>
       </p:sp>
@@ -3768,7 +3588,7 @@
         </p:nvSpPr>
         <p:spPr>
           <a:xfrm>
-            <a:off x="1989960" y="1790059"/>
+            <a:off x="2255003" y="1790059"/>
             <a:ext cx="1656165" cy="784830"/>
           </a:xfrm>
           <a:prstGeom prst="rect">
@@ -3791,7 +3611,7 @@
           <a:p>
             <a:r>
               <a:rPr lang="en-US" sz="1500" dirty="0"/>
-              <a:t>sum 5 = 5 + sum 4</a:t>
+              <a:t>sum 2 = 2 + sum 1</a:t>
             </a:r>
           </a:p>
           <a:p>
@@ -3822,7 +3642,7 @@
         </p:nvSpPr>
         <p:spPr>
           <a:xfrm>
-            <a:off x="3738029" y="2574889"/>
+            <a:off x="4003072" y="2574889"/>
             <a:ext cx="1656165" cy="1067072"/>
           </a:xfrm>
           <a:prstGeom prst="flowChartDocument">
@@ -3863,7 +3683,7 @@
           <a:lstStyle/>
           <a:p>
             <a:pPr algn="ctr"/>
-            <a:endParaRPr lang="en-US" sz="1600"/>
+            <a:endParaRPr lang="en-US" sz="1500"/>
           </a:p>
         </p:txBody>
       </p:sp>
@@ -3881,7 +3701,7 @@
         </p:nvSpPr>
         <p:spPr>
           <a:xfrm>
-            <a:off x="3738287" y="1790059"/>
+            <a:off x="4003330" y="1790059"/>
             <a:ext cx="1656165" cy="784830"/>
           </a:xfrm>
           <a:prstGeom prst="rect">
@@ -3904,7 +3724,7 @@
           <a:p>
             <a:r>
               <a:rPr lang="en-US" sz="1500" dirty="0"/>
-              <a:t>sum 5 = 5 + sum 4</a:t>
+              <a:t>sum 2 = 2 + sum 1</a:t>
             </a:r>
           </a:p>
           <a:p>
@@ -3935,7 +3755,7 @@
         </p:nvSpPr>
         <p:spPr>
           <a:xfrm>
-            <a:off x="1985167" y="1005892"/>
+            <a:off x="2255843" y="1008000"/>
             <a:ext cx="1656165" cy="784830"/>
           </a:xfrm>
           <a:prstGeom prst="rect">
@@ -3958,7 +3778,7 @@
           <a:p>
             <a:r>
               <a:rPr lang="en-US" sz="1500" dirty="0"/>
-              <a:t>sum 4 = 4 + sum 3</a:t>
+              <a:t>sum 1 = 1 + sum 0</a:t>
             </a:r>
           </a:p>
           <a:p>
@@ -3989,7 +3809,7 @@
         </p:nvSpPr>
         <p:spPr>
           <a:xfrm>
-            <a:off x="3738029" y="1008034"/>
+            <a:off x="4003072" y="1008000"/>
             <a:ext cx="1656165" cy="784830"/>
           </a:xfrm>
           <a:prstGeom prst="rect">
@@ -4012,7 +3832,7 @@
           <a:p>
             <a:r>
               <a:rPr lang="en-US" sz="1500" dirty="0"/>
-              <a:t>sum 4 = 4 + sum 3</a:t>
+              <a:t>sum 1 = 1 + sum 0</a:t>
             </a:r>
           </a:p>
           <a:p>
@@ -4043,7 +3863,7 @@
         </p:nvSpPr>
         <p:spPr>
           <a:xfrm>
-            <a:off x="3732582" y="212270"/>
+            <a:off x="4001843" y="225522"/>
             <a:ext cx="1656165" cy="784830"/>
           </a:xfrm>
           <a:prstGeom prst="rect">
@@ -4066,7 +3886,7 @@
           <a:p>
             <a:r>
               <a:rPr lang="en-US" sz="1500" dirty="0"/>
-              <a:t>sum 3 = 3 + sum 2</a:t>
+              <a:t>sum 0 = 0 + 0</a:t>
             </a:r>
           </a:p>
           <a:p>
@@ -4097,7 +3917,7 @@
         </p:nvSpPr>
         <p:spPr>
           <a:xfrm>
-            <a:off x="5868520" y="2574889"/>
+            <a:off x="5759938" y="2574889"/>
             <a:ext cx="1656165" cy="1067072"/>
           </a:xfrm>
           <a:prstGeom prst="flowChartDocument">
@@ -4138,7 +3958,7 @@
           <a:lstStyle/>
           <a:p>
             <a:pPr algn="ctr"/>
-            <a:endParaRPr lang="en-US" sz="1600"/>
+            <a:endParaRPr lang="en-US" sz="1500"/>
           </a:p>
         </p:txBody>
       </p:sp>
@@ -4156,7 +3976,7 @@
         </p:nvSpPr>
         <p:spPr>
           <a:xfrm>
-            <a:off x="5868778" y="1790059"/>
+            <a:off x="5760196" y="1790059"/>
             <a:ext cx="1656165" cy="784830"/>
           </a:xfrm>
           <a:prstGeom prst="rect">
@@ -4179,7 +3999,7 @@
           <a:p>
             <a:r>
               <a:rPr lang="en-US" sz="1500" dirty="0"/>
-              <a:t>sum 5 = 5 + sum 4</a:t>
+              <a:t>sum 2 = 2 + sum 1</a:t>
             </a:r>
           </a:p>
           <a:p>
@@ -4210,7 +4030,7 @@
         </p:nvSpPr>
         <p:spPr>
           <a:xfrm>
-            <a:off x="5868520" y="1008034"/>
+            <a:off x="5759938" y="1008000"/>
             <a:ext cx="1656165" cy="784830"/>
           </a:xfrm>
           <a:prstGeom prst="rect">
@@ -4233,7 +4053,7 @@
           <a:p>
             <a:r>
               <a:rPr lang="en-US" sz="1500" dirty="0"/>
-              <a:t>sum 4 = 4 + sum 3</a:t>
+              <a:t>sum 1 = 1 + sum 0</a:t>
             </a:r>
           </a:p>
           <a:p>
@@ -4264,7 +4084,7 @@
         </p:nvSpPr>
         <p:spPr>
           <a:xfrm>
-            <a:off x="5863073" y="212270"/>
+            <a:off x="5758643" y="225522"/>
             <a:ext cx="1656165" cy="784830"/>
           </a:xfrm>
           <a:prstGeom prst="rect">
@@ -4287,7 +4107,7 @@
           <a:p>
             <a:r>
               <a:rPr lang="en-US" sz="1500" dirty="0"/>
-              <a:t>sum 3 = 6</a:t>
+              <a:t>sum 0 = 0</a:t>
             </a:r>
           </a:p>
           <a:p>
@@ -4318,7 +4138,7 @@
         </p:nvSpPr>
         <p:spPr>
           <a:xfrm>
-            <a:off x="7630114" y="2574889"/>
+            <a:off x="7521532" y="2574889"/>
             <a:ext cx="1656165" cy="1067072"/>
           </a:xfrm>
           <a:prstGeom prst="flowChartDocument">
@@ -4359,7 +4179,7 @@
           <a:lstStyle/>
           <a:p>
             <a:pPr algn="ctr"/>
-            <a:endParaRPr lang="en-US" sz="1600"/>
+            <a:endParaRPr lang="en-US" sz="1500"/>
           </a:p>
         </p:txBody>
       </p:sp>
@@ -4377,7 +4197,7 @@
         </p:nvSpPr>
         <p:spPr>
           <a:xfrm>
-            <a:off x="7629591" y="1790059"/>
+            <a:off x="7521009" y="1790059"/>
             <a:ext cx="1656165" cy="784830"/>
           </a:xfrm>
           <a:prstGeom prst="rect">
@@ -4400,7 +4220,7 @@
           <a:p>
             <a:r>
               <a:rPr lang="en-US" sz="1500" dirty="0"/>
-              <a:t>sum 5 = 5 + sum 4</a:t>
+              <a:t>sum 2 = 2 + sum 1</a:t>
             </a:r>
           </a:p>
           <a:p>
@@ -4431,7 +4251,7 @@
         </p:nvSpPr>
         <p:spPr>
           <a:xfrm>
-            <a:off x="7624798" y="1005892"/>
+            <a:off x="7522643" y="1008000"/>
             <a:ext cx="1656165" cy="784830"/>
           </a:xfrm>
           <a:prstGeom prst="rect">
@@ -4454,7 +4274,7 @@
           <a:p>
             <a:r>
               <a:rPr lang="en-US" sz="1500" dirty="0"/>
-              <a:t>sum 4 = 10</a:t>
+              <a:t>sum 1 = 1</a:t>
             </a:r>
           </a:p>
           <a:p>
@@ -4485,7 +4305,7 @@
         </p:nvSpPr>
         <p:spPr>
           <a:xfrm>
-            <a:off x="9416751" y="2574889"/>
+            <a:off x="9308169" y="2574889"/>
             <a:ext cx="1656165" cy="1067072"/>
           </a:xfrm>
           <a:prstGeom prst="flowChartDocument">
@@ -4526,7 +4346,7 @@
           <a:lstStyle/>
           <a:p>
             <a:pPr algn="ctr"/>
-            <a:endParaRPr lang="en-US" sz="1600"/>
+            <a:endParaRPr lang="en-US" sz="1500"/>
           </a:p>
         </p:txBody>
       </p:sp>
@@ -4544,7 +4364,7 @@
         </p:nvSpPr>
         <p:spPr>
           <a:xfrm>
-            <a:off x="9417009" y="1790059"/>
+            <a:off x="9308427" y="1790059"/>
             <a:ext cx="1656165" cy="784830"/>
           </a:xfrm>
           <a:prstGeom prst="rect">
@@ -4567,7 +4387,7 @@
           <a:p>
             <a:r>
               <a:rPr lang="en-US" sz="1500" dirty="0"/>
-              <a:t>sum 5 = 15</a:t>
+              <a:t>sum 2 = 3</a:t>
             </a:r>
           </a:p>
           <a:p>
